--- a/大型平台软件分析与设计(updating)/ppt/大型平台分析与设计ch05-刘宝.pptx
+++ b/大型平台软件分析与设计(updating)/ppt/大型平台分析与设计ch05-刘宝.pptx
@@ -5,13 +5,13 @@
     <p:sldMasterId id="2147483648" r:id="rId1"/>
   </p:sldMasterIdLst>
   <p:sldIdLst>
-    <p:sldId id="256" r:id="rId3"/>
-    <p:sldId id="257" r:id="rId4"/>
-    <p:sldId id="258" r:id="rId5"/>
-    <p:sldId id="259" r:id="rId6"/>
-    <p:sldId id="260" r:id="rId7"/>
-    <p:sldId id="261" r:id="rId8"/>
-    <p:sldId id="262" r:id="rId9"/>
+    <p:sldId id="256" r:id="rId2"/>
+    <p:sldId id="257" r:id="rId3"/>
+    <p:sldId id="258" r:id="rId4"/>
+    <p:sldId id="259" r:id="rId5"/>
+    <p:sldId id="260" r:id="rId6"/>
+    <p:sldId id="261" r:id="rId7"/>
+    <p:sldId id="262" r:id="rId8"/>
   </p:sldIdLst>
   <p:sldSz cx="12192000" cy="6858000"/>
   <p:notesSz cx="6858000" cy="9144000"/>
@@ -110,6 +110,11 @@
       </a:defRPr>
     </a:lvl9pPr>
   </p:defaultTextStyle>
+  <p:extLst>
+    <p:ext uri="{EFAFB233-063F-42B5-8137-9DF3F51BA10A}">
+      <p15:sldGuideLst xmlns:p15="http://schemas.microsoft.com/office/powerpoint/2012/main"/>
+    </p:ext>
+  </p:extLst>
 </p:presentation>
 </file>
 
@@ -158,7 +163,6 @@
               <a:rPr lang="zh-CN" altLang="en-US"/>
               <a:t>单击此处编辑母版标题样式</a:t>
             </a:r>
-            <a:endParaRPr lang="zh-CN" altLang="en-US"/>
           </a:p>
         </p:txBody>
       </p:sp>
@@ -223,7 +227,6 @@
               <a:rPr lang="zh-CN" altLang="en-US"/>
               <a:t>单击此处编辑母版副标题样式</a:t>
             </a:r>
-            <a:endParaRPr lang="zh-CN" altLang="en-US"/>
           </a:p>
         </p:txBody>
       </p:sp>
@@ -244,6 +247,7 @@
           <a:p>
             <a:fld id="{A04AE285-5259-4C70-82F9-ACE2EFB47C04}" type="datetimeFigureOut">
               <a:rPr lang="zh-CN" altLang="en-US" smtClean="0"/>
+              <a:t>2023/6/4</a:t>
             </a:fld>
             <a:endParaRPr lang="zh-CN" altLang="en-US"/>
           </a:p>
@@ -285,6 +289,7 @@
           <a:p>
             <a:fld id="{9F2535E0-4137-4C34-BDFF-5CC20F903427}" type="slidenum">
               <a:rPr lang="zh-CN" altLang="en-US" smtClean="0"/>
+              <a:t>‹#›</a:t>
             </a:fld>
             <a:endParaRPr lang="zh-CN" altLang="en-US"/>
           </a:p>
@@ -334,7 +339,6 @@
               <a:rPr lang="zh-CN" altLang="en-US"/>
               <a:t>单击此处编辑母版标题样式</a:t>
             </a:r>
-            <a:endParaRPr lang="zh-CN" altLang="en-US"/>
           </a:p>
         </p:txBody>
       </p:sp>
@@ -358,7 +362,6 @@
               <a:rPr lang="zh-CN" altLang="en-US"/>
               <a:t>单击此处编辑母版文本样式</a:t>
             </a:r>
-            <a:endParaRPr lang="zh-CN" altLang="en-US"/>
           </a:p>
           <a:p>
             <a:pPr lvl="1"/>
@@ -366,7 +369,6 @@
               <a:rPr lang="zh-CN" altLang="en-US"/>
               <a:t>二级</a:t>
             </a:r>
-            <a:endParaRPr lang="zh-CN" altLang="en-US"/>
           </a:p>
           <a:p>
             <a:pPr lvl="2"/>
@@ -374,7 +376,6 @@
               <a:rPr lang="zh-CN" altLang="en-US"/>
               <a:t>三级</a:t>
             </a:r>
-            <a:endParaRPr lang="zh-CN" altLang="en-US"/>
           </a:p>
           <a:p>
             <a:pPr lvl="3"/>
@@ -382,7 +383,6 @@
               <a:rPr lang="zh-CN" altLang="en-US"/>
               <a:t>四级</a:t>
             </a:r>
-            <a:endParaRPr lang="zh-CN" altLang="en-US"/>
           </a:p>
           <a:p>
             <a:pPr lvl="4"/>
@@ -390,7 +390,6 @@
               <a:rPr lang="zh-CN" altLang="en-US"/>
               <a:t>五级</a:t>
             </a:r>
-            <a:endParaRPr lang="zh-CN" altLang="en-US"/>
           </a:p>
         </p:txBody>
       </p:sp>
@@ -411,6 +410,7 @@
           <a:p>
             <a:fld id="{A04AE285-5259-4C70-82F9-ACE2EFB47C04}" type="datetimeFigureOut">
               <a:rPr lang="zh-CN" altLang="en-US" smtClean="0"/>
+              <a:t>2023/6/4</a:t>
             </a:fld>
             <a:endParaRPr lang="zh-CN" altLang="en-US"/>
           </a:p>
@@ -452,6 +452,7 @@
           <a:p>
             <a:fld id="{9F2535E0-4137-4C34-BDFF-5CC20F903427}" type="slidenum">
               <a:rPr lang="zh-CN" altLang="en-US" smtClean="0"/>
+              <a:t>‹#›</a:t>
             </a:fld>
             <a:endParaRPr lang="zh-CN" altLang="en-US"/>
           </a:p>
@@ -506,7 +507,6 @@
               <a:rPr lang="zh-CN" altLang="en-US"/>
               <a:t>单击此处编辑母版标题样式</a:t>
             </a:r>
-            <a:endParaRPr lang="zh-CN" altLang="en-US"/>
           </a:p>
         </p:txBody>
       </p:sp>
@@ -535,7 +535,6 @@
               <a:rPr lang="zh-CN" altLang="en-US"/>
               <a:t>单击此处编辑母版文本样式</a:t>
             </a:r>
-            <a:endParaRPr lang="zh-CN" altLang="en-US"/>
           </a:p>
           <a:p>
             <a:pPr lvl="1"/>
@@ -543,7 +542,6 @@
               <a:rPr lang="zh-CN" altLang="en-US"/>
               <a:t>二级</a:t>
             </a:r>
-            <a:endParaRPr lang="zh-CN" altLang="en-US"/>
           </a:p>
           <a:p>
             <a:pPr lvl="2"/>
@@ -551,7 +549,6 @@
               <a:rPr lang="zh-CN" altLang="en-US"/>
               <a:t>三级</a:t>
             </a:r>
-            <a:endParaRPr lang="zh-CN" altLang="en-US"/>
           </a:p>
           <a:p>
             <a:pPr lvl="3"/>
@@ -559,7 +556,6 @@
               <a:rPr lang="zh-CN" altLang="en-US"/>
               <a:t>四级</a:t>
             </a:r>
-            <a:endParaRPr lang="zh-CN" altLang="en-US"/>
           </a:p>
           <a:p>
             <a:pPr lvl="4"/>
@@ -567,7 +563,6 @@
               <a:rPr lang="zh-CN" altLang="en-US"/>
               <a:t>五级</a:t>
             </a:r>
-            <a:endParaRPr lang="zh-CN" altLang="en-US"/>
           </a:p>
         </p:txBody>
       </p:sp>
@@ -588,6 +583,7 @@
           <a:p>
             <a:fld id="{A04AE285-5259-4C70-82F9-ACE2EFB47C04}" type="datetimeFigureOut">
               <a:rPr lang="zh-CN" altLang="en-US" smtClean="0"/>
+              <a:t>2023/6/4</a:t>
             </a:fld>
             <a:endParaRPr lang="zh-CN" altLang="en-US"/>
           </a:p>
@@ -629,6 +625,7 @@
           <a:p>
             <a:fld id="{9F2535E0-4137-4C34-BDFF-5CC20F903427}" type="slidenum">
               <a:rPr lang="zh-CN" altLang="en-US" smtClean="0"/>
+              <a:t>‹#›</a:t>
             </a:fld>
             <a:endParaRPr lang="zh-CN" altLang="en-US"/>
           </a:p>
@@ -678,7 +675,6 @@
               <a:rPr lang="zh-CN" altLang="en-US"/>
               <a:t>单击此处编辑母版标题样式</a:t>
             </a:r>
-            <a:endParaRPr lang="zh-CN" altLang="en-US"/>
           </a:p>
         </p:txBody>
       </p:sp>
@@ -702,7 +698,6 @@
               <a:rPr lang="zh-CN" altLang="en-US"/>
               <a:t>单击此处编辑母版文本样式</a:t>
             </a:r>
-            <a:endParaRPr lang="zh-CN" altLang="en-US"/>
           </a:p>
           <a:p>
             <a:pPr lvl="1"/>
@@ -710,7 +705,6 @@
               <a:rPr lang="zh-CN" altLang="en-US"/>
               <a:t>二级</a:t>
             </a:r>
-            <a:endParaRPr lang="zh-CN" altLang="en-US"/>
           </a:p>
           <a:p>
             <a:pPr lvl="2"/>
@@ -718,7 +712,6 @@
               <a:rPr lang="zh-CN" altLang="en-US"/>
               <a:t>三级</a:t>
             </a:r>
-            <a:endParaRPr lang="zh-CN" altLang="en-US"/>
           </a:p>
           <a:p>
             <a:pPr lvl="3"/>
@@ -726,7 +719,6 @@
               <a:rPr lang="zh-CN" altLang="en-US"/>
               <a:t>四级</a:t>
             </a:r>
-            <a:endParaRPr lang="zh-CN" altLang="en-US"/>
           </a:p>
           <a:p>
             <a:pPr lvl="4"/>
@@ -734,7 +726,6 @@
               <a:rPr lang="zh-CN" altLang="en-US"/>
               <a:t>五级</a:t>
             </a:r>
-            <a:endParaRPr lang="zh-CN" altLang="en-US"/>
           </a:p>
         </p:txBody>
       </p:sp>
@@ -755,6 +746,7 @@
           <a:p>
             <a:fld id="{A04AE285-5259-4C70-82F9-ACE2EFB47C04}" type="datetimeFigureOut">
               <a:rPr lang="zh-CN" altLang="en-US" smtClean="0"/>
+              <a:t>2023/6/4</a:t>
             </a:fld>
             <a:endParaRPr lang="zh-CN" altLang="en-US"/>
           </a:p>
@@ -796,6 +788,7 @@
           <a:p>
             <a:fld id="{9F2535E0-4137-4C34-BDFF-5CC20F903427}" type="slidenum">
               <a:rPr lang="zh-CN" altLang="en-US" smtClean="0"/>
+              <a:t>‹#›</a:t>
             </a:fld>
             <a:endParaRPr lang="zh-CN" altLang="en-US"/>
           </a:p>
@@ -854,7 +847,6 @@
               <a:rPr lang="zh-CN" altLang="en-US"/>
               <a:t>单击此处编辑母版标题样式</a:t>
             </a:r>
-            <a:endParaRPr lang="zh-CN" altLang="en-US"/>
           </a:p>
         </p:txBody>
       </p:sp>
@@ -974,7 +966,6 @@
               <a:rPr lang="zh-CN" altLang="en-US"/>
               <a:t>单击此处编辑母版文本样式</a:t>
             </a:r>
-            <a:endParaRPr lang="zh-CN" altLang="en-US"/>
           </a:p>
         </p:txBody>
       </p:sp>
@@ -995,6 +986,7 @@
           <a:p>
             <a:fld id="{A04AE285-5259-4C70-82F9-ACE2EFB47C04}" type="datetimeFigureOut">
               <a:rPr lang="zh-CN" altLang="en-US" smtClean="0"/>
+              <a:t>2023/6/4</a:t>
             </a:fld>
             <a:endParaRPr lang="zh-CN" altLang="en-US"/>
           </a:p>
@@ -1036,6 +1028,7 @@
           <a:p>
             <a:fld id="{9F2535E0-4137-4C34-BDFF-5CC20F903427}" type="slidenum">
               <a:rPr lang="zh-CN" altLang="en-US" smtClean="0"/>
+              <a:t>‹#›</a:t>
             </a:fld>
             <a:endParaRPr lang="zh-CN" altLang="en-US"/>
           </a:p>
@@ -1085,7 +1078,6 @@
               <a:rPr lang="zh-CN" altLang="en-US"/>
               <a:t>单击此处编辑母版标题样式</a:t>
             </a:r>
-            <a:endParaRPr lang="zh-CN" altLang="en-US"/>
           </a:p>
         </p:txBody>
       </p:sp>
@@ -1114,7 +1106,6 @@
               <a:rPr lang="zh-CN" altLang="en-US"/>
               <a:t>单击此处编辑母版文本样式</a:t>
             </a:r>
-            <a:endParaRPr lang="zh-CN" altLang="en-US"/>
           </a:p>
           <a:p>
             <a:pPr lvl="1"/>
@@ -1122,7 +1113,6 @@
               <a:rPr lang="zh-CN" altLang="en-US"/>
               <a:t>二级</a:t>
             </a:r>
-            <a:endParaRPr lang="zh-CN" altLang="en-US"/>
           </a:p>
           <a:p>
             <a:pPr lvl="2"/>
@@ -1130,7 +1120,6 @@
               <a:rPr lang="zh-CN" altLang="en-US"/>
               <a:t>三级</a:t>
             </a:r>
-            <a:endParaRPr lang="zh-CN" altLang="en-US"/>
           </a:p>
           <a:p>
             <a:pPr lvl="3"/>
@@ -1138,7 +1127,6 @@
               <a:rPr lang="zh-CN" altLang="en-US"/>
               <a:t>四级</a:t>
             </a:r>
-            <a:endParaRPr lang="zh-CN" altLang="en-US"/>
           </a:p>
           <a:p>
             <a:pPr lvl="4"/>
@@ -1146,7 +1134,6 @@
               <a:rPr lang="zh-CN" altLang="en-US"/>
               <a:t>五级</a:t>
             </a:r>
-            <a:endParaRPr lang="zh-CN" altLang="en-US"/>
           </a:p>
         </p:txBody>
       </p:sp>
@@ -1175,7 +1162,6 @@
               <a:rPr lang="zh-CN" altLang="en-US"/>
               <a:t>单击此处编辑母版文本样式</a:t>
             </a:r>
-            <a:endParaRPr lang="zh-CN" altLang="en-US"/>
           </a:p>
           <a:p>
             <a:pPr lvl="1"/>
@@ -1183,7 +1169,6 @@
               <a:rPr lang="zh-CN" altLang="en-US"/>
               <a:t>二级</a:t>
             </a:r>
-            <a:endParaRPr lang="zh-CN" altLang="en-US"/>
           </a:p>
           <a:p>
             <a:pPr lvl="2"/>
@@ -1191,7 +1176,6 @@
               <a:rPr lang="zh-CN" altLang="en-US"/>
               <a:t>三级</a:t>
             </a:r>
-            <a:endParaRPr lang="zh-CN" altLang="en-US"/>
           </a:p>
           <a:p>
             <a:pPr lvl="3"/>
@@ -1199,7 +1183,6 @@
               <a:rPr lang="zh-CN" altLang="en-US"/>
               <a:t>四级</a:t>
             </a:r>
-            <a:endParaRPr lang="zh-CN" altLang="en-US"/>
           </a:p>
           <a:p>
             <a:pPr lvl="4"/>
@@ -1207,7 +1190,6 @@
               <a:rPr lang="zh-CN" altLang="en-US"/>
               <a:t>五级</a:t>
             </a:r>
-            <a:endParaRPr lang="zh-CN" altLang="en-US"/>
           </a:p>
         </p:txBody>
       </p:sp>
@@ -1228,6 +1210,7 @@
           <a:p>
             <a:fld id="{A04AE285-5259-4C70-82F9-ACE2EFB47C04}" type="datetimeFigureOut">
               <a:rPr lang="zh-CN" altLang="en-US" smtClean="0"/>
+              <a:t>2023/6/4</a:t>
             </a:fld>
             <a:endParaRPr lang="zh-CN" altLang="en-US"/>
           </a:p>
@@ -1269,6 +1252,7 @@
           <a:p>
             <a:fld id="{9F2535E0-4137-4C34-BDFF-5CC20F903427}" type="slidenum">
               <a:rPr lang="zh-CN" altLang="en-US" smtClean="0"/>
+              <a:t>‹#›</a:t>
             </a:fld>
             <a:endParaRPr lang="zh-CN" altLang="en-US"/>
           </a:p>
@@ -1323,7 +1307,6 @@
               <a:rPr lang="zh-CN" altLang="en-US"/>
               <a:t>单击此处编辑母版标题样式</a:t>
             </a:r>
-            <a:endParaRPr lang="zh-CN" altLang="en-US"/>
           </a:p>
         </p:txBody>
       </p:sp>
@@ -1389,7 +1372,6 @@
               <a:rPr lang="zh-CN" altLang="en-US"/>
               <a:t>单击此处编辑母版文本样式</a:t>
             </a:r>
-            <a:endParaRPr lang="zh-CN" altLang="en-US"/>
           </a:p>
         </p:txBody>
       </p:sp>
@@ -1418,7 +1400,6 @@
               <a:rPr lang="zh-CN" altLang="en-US"/>
               <a:t>单击此处编辑母版文本样式</a:t>
             </a:r>
-            <a:endParaRPr lang="zh-CN" altLang="en-US"/>
           </a:p>
           <a:p>
             <a:pPr lvl="1"/>
@@ -1426,7 +1407,6 @@
               <a:rPr lang="zh-CN" altLang="en-US"/>
               <a:t>二级</a:t>
             </a:r>
-            <a:endParaRPr lang="zh-CN" altLang="en-US"/>
           </a:p>
           <a:p>
             <a:pPr lvl="2"/>
@@ -1434,7 +1414,6 @@
               <a:rPr lang="zh-CN" altLang="en-US"/>
               <a:t>三级</a:t>
             </a:r>
-            <a:endParaRPr lang="zh-CN" altLang="en-US"/>
           </a:p>
           <a:p>
             <a:pPr lvl="3"/>
@@ -1442,7 +1421,6 @@
               <a:rPr lang="zh-CN" altLang="en-US"/>
               <a:t>四级</a:t>
             </a:r>
-            <a:endParaRPr lang="zh-CN" altLang="en-US"/>
           </a:p>
           <a:p>
             <a:pPr lvl="4"/>
@@ -1450,7 +1428,6 @@
               <a:rPr lang="zh-CN" altLang="en-US"/>
               <a:t>五级</a:t>
             </a:r>
-            <a:endParaRPr lang="zh-CN" altLang="en-US"/>
           </a:p>
         </p:txBody>
       </p:sp>
@@ -1516,7 +1493,6 @@
               <a:rPr lang="zh-CN" altLang="en-US"/>
               <a:t>单击此处编辑母版文本样式</a:t>
             </a:r>
-            <a:endParaRPr lang="zh-CN" altLang="en-US"/>
           </a:p>
         </p:txBody>
       </p:sp>
@@ -1545,7 +1521,6 @@
               <a:rPr lang="zh-CN" altLang="en-US"/>
               <a:t>单击此处编辑母版文本样式</a:t>
             </a:r>
-            <a:endParaRPr lang="zh-CN" altLang="en-US"/>
           </a:p>
           <a:p>
             <a:pPr lvl="1"/>
@@ -1553,7 +1528,6 @@
               <a:rPr lang="zh-CN" altLang="en-US"/>
               <a:t>二级</a:t>
             </a:r>
-            <a:endParaRPr lang="zh-CN" altLang="en-US"/>
           </a:p>
           <a:p>
             <a:pPr lvl="2"/>
@@ -1561,7 +1535,6 @@
               <a:rPr lang="zh-CN" altLang="en-US"/>
               <a:t>三级</a:t>
             </a:r>
-            <a:endParaRPr lang="zh-CN" altLang="en-US"/>
           </a:p>
           <a:p>
             <a:pPr lvl="3"/>
@@ -1569,7 +1542,6 @@
               <a:rPr lang="zh-CN" altLang="en-US"/>
               <a:t>四级</a:t>
             </a:r>
-            <a:endParaRPr lang="zh-CN" altLang="en-US"/>
           </a:p>
           <a:p>
             <a:pPr lvl="4"/>
@@ -1577,7 +1549,6 @@
               <a:rPr lang="zh-CN" altLang="en-US"/>
               <a:t>五级</a:t>
             </a:r>
-            <a:endParaRPr lang="zh-CN" altLang="en-US"/>
           </a:p>
         </p:txBody>
       </p:sp>
@@ -1598,6 +1569,7 @@
           <a:p>
             <a:fld id="{A04AE285-5259-4C70-82F9-ACE2EFB47C04}" type="datetimeFigureOut">
               <a:rPr lang="zh-CN" altLang="en-US" smtClean="0"/>
+              <a:t>2023/6/4</a:t>
             </a:fld>
             <a:endParaRPr lang="zh-CN" altLang="en-US"/>
           </a:p>
@@ -1639,6 +1611,7 @@
           <a:p>
             <a:fld id="{9F2535E0-4137-4C34-BDFF-5CC20F903427}" type="slidenum">
               <a:rPr lang="zh-CN" altLang="en-US" smtClean="0"/>
+              <a:t>‹#›</a:t>
             </a:fld>
             <a:endParaRPr lang="zh-CN" altLang="en-US"/>
           </a:p>
@@ -1688,7 +1661,6 @@
               <a:rPr lang="zh-CN" altLang="en-US"/>
               <a:t>单击此处编辑母版标题样式</a:t>
             </a:r>
-            <a:endParaRPr lang="zh-CN" altLang="en-US"/>
           </a:p>
         </p:txBody>
       </p:sp>
@@ -1709,6 +1681,7 @@
           <a:p>
             <a:fld id="{A04AE285-5259-4C70-82F9-ACE2EFB47C04}" type="datetimeFigureOut">
               <a:rPr lang="zh-CN" altLang="en-US" smtClean="0"/>
+              <a:t>2023/6/4</a:t>
             </a:fld>
             <a:endParaRPr lang="zh-CN" altLang="en-US"/>
           </a:p>
@@ -1750,6 +1723,7 @@
           <a:p>
             <a:fld id="{9F2535E0-4137-4C34-BDFF-5CC20F903427}" type="slidenum">
               <a:rPr lang="zh-CN" altLang="en-US" smtClean="0"/>
+              <a:t>‹#›</a:t>
             </a:fld>
             <a:endParaRPr lang="zh-CN" altLang="en-US"/>
           </a:p>
@@ -1797,6 +1771,7 @@
           <a:p>
             <a:fld id="{A04AE285-5259-4C70-82F9-ACE2EFB47C04}" type="datetimeFigureOut">
               <a:rPr lang="zh-CN" altLang="en-US" smtClean="0"/>
+              <a:t>2023/6/4</a:t>
             </a:fld>
             <a:endParaRPr lang="zh-CN" altLang="en-US"/>
           </a:p>
@@ -1838,6 +1813,7 @@
           <a:p>
             <a:fld id="{9F2535E0-4137-4C34-BDFF-5CC20F903427}" type="slidenum">
               <a:rPr lang="zh-CN" altLang="en-US" smtClean="0"/>
+              <a:t>‹#›</a:t>
             </a:fld>
             <a:endParaRPr lang="zh-CN" altLang="en-US"/>
           </a:p>
@@ -1896,7 +1872,6 @@
               <a:rPr lang="zh-CN" altLang="en-US"/>
               <a:t>单击此处编辑母版标题样式</a:t>
             </a:r>
-            <a:endParaRPr lang="zh-CN" altLang="en-US"/>
           </a:p>
         </p:txBody>
       </p:sp>
@@ -1953,7 +1928,6 @@
               <a:rPr lang="zh-CN" altLang="en-US"/>
               <a:t>单击此处编辑母版文本样式</a:t>
             </a:r>
-            <a:endParaRPr lang="zh-CN" altLang="en-US"/>
           </a:p>
           <a:p>
             <a:pPr lvl="1"/>
@@ -1961,7 +1935,6 @@
               <a:rPr lang="zh-CN" altLang="en-US"/>
               <a:t>二级</a:t>
             </a:r>
-            <a:endParaRPr lang="zh-CN" altLang="en-US"/>
           </a:p>
           <a:p>
             <a:pPr lvl="2"/>
@@ -1969,7 +1942,6 @@
               <a:rPr lang="zh-CN" altLang="en-US"/>
               <a:t>三级</a:t>
             </a:r>
-            <a:endParaRPr lang="zh-CN" altLang="en-US"/>
           </a:p>
           <a:p>
             <a:pPr lvl="3"/>
@@ -1977,7 +1949,6 @@
               <a:rPr lang="zh-CN" altLang="en-US"/>
               <a:t>四级</a:t>
             </a:r>
-            <a:endParaRPr lang="zh-CN" altLang="en-US"/>
           </a:p>
           <a:p>
             <a:pPr lvl="4"/>
@@ -1985,7 +1956,6 @@
               <a:rPr lang="zh-CN" altLang="en-US"/>
               <a:t>五级</a:t>
             </a:r>
-            <a:endParaRPr lang="zh-CN" altLang="en-US"/>
           </a:p>
         </p:txBody>
       </p:sp>
@@ -2051,7 +2021,6 @@
               <a:rPr lang="zh-CN" altLang="en-US"/>
               <a:t>单击此处编辑母版文本样式</a:t>
             </a:r>
-            <a:endParaRPr lang="zh-CN" altLang="en-US"/>
           </a:p>
         </p:txBody>
       </p:sp>
@@ -2072,6 +2041,7 @@
           <a:p>
             <a:fld id="{A04AE285-5259-4C70-82F9-ACE2EFB47C04}" type="datetimeFigureOut">
               <a:rPr lang="zh-CN" altLang="en-US" smtClean="0"/>
+              <a:t>2023/6/4</a:t>
             </a:fld>
             <a:endParaRPr lang="zh-CN" altLang="en-US"/>
           </a:p>
@@ -2113,6 +2083,7 @@
           <a:p>
             <a:fld id="{9F2535E0-4137-4C34-BDFF-5CC20F903427}" type="slidenum">
               <a:rPr lang="zh-CN" altLang="en-US" smtClean="0"/>
+              <a:t>‹#›</a:t>
             </a:fld>
             <a:endParaRPr lang="zh-CN" altLang="en-US"/>
           </a:p>
@@ -2171,7 +2142,6 @@
               <a:rPr lang="zh-CN" altLang="en-US"/>
               <a:t>单击此处编辑母版标题样式</a:t>
             </a:r>
-            <a:endParaRPr lang="zh-CN" altLang="en-US"/>
           </a:p>
         </p:txBody>
       </p:sp>
@@ -2298,7 +2268,6 @@
               <a:rPr lang="zh-CN" altLang="en-US"/>
               <a:t>单击此处编辑母版文本样式</a:t>
             </a:r>
-            <a:endParaRPr lang="zh-CN" altLang="en-US"/>
           </a:p>
         </p:txBody>
       </p:sp>
@@ -2319,6 +2288,7 @@
           <a:p>
             <a:fld id="{A04AE285-5259-4C70-82F9-ACE2EFB47C04}" type="datetimeFigureOut">
               <a:rPr lang="zh-CN" altLang="en-US" smtClean="0"/>
+              <a:t>2023/6/4</a:t>
             </a:fld>
             <a:endParaRPr lang="zh-CN" altLang="en-US"/>
           </a:p>
@@ -2360,6 +2330,7 @@
           <a:p>
             <a:fld id="{9F2535E0-4137-4C34-BDFF-5CC20F903427}" type="slidenum">
               <a:rPr lang="zh-CN" altLang="en-US" smtClean="0"/>
+              <a:t>‹#›</a:t>
             </a:fld>
             <a:endParaRPr lang="zh-CN" altLang="en-US"/>
           </a:p>
@@ -2424,7 +2395,6 @@
               <a:rPr lang="zh-CN" altLang="en-US"/>
               <a:t>单击此处编辑母版标题样式</a:t>
             </a:r>
-            <a:endParaRPr lang="zh-CN" altLang="en-US"/>
           </a:p>
         </p:txBody>
       </p:sp>
@@ -2458,7 +2428,6 @@
               <a:rPr lang="zh-CN" altLang="en-US"/>
               <a:t>单击此处编辑母版文本样式</a:t>
             </a:r>
-            <a:endParaRPr lang="zh-CN" altLang="en-US"/>
           </a:p>
           <a:p>
             <a:pPr lvl="1"/>
@@ -2466,7 +2435,6 @@
               <a:rPr lang="zh-CN" altLang="en-US"/>
               <a:t>二级</a:t>
             </a:r>
-            <a:endParaRPr lang="zh-CN" altLang="en-US"/>
           </a:p>
           <a:p>
             <a:pPr lvl="2"/>
@@ -2474,7 +2442,6 @@
               <a:rPr lang="zh-CN" altLang="en-US"/>
               <a:t>三级</a:t>
             </a:r>
-            <a:endParaRPr lang="zh-CN" altLang="en-US"/>
           </a:p>
           <a:p>
             <a:pPr lvl="3"/>
@@ -2482,7 +2449,6 @@
               <a:rPr lang="zh-CN" altLang="en-US"/>
               <a:t>四级</a:t>
             </a:r>
-            <a:endParaRPr lang="zh-CN" altLang="en-US"/>
           </a:p>
           <a:p>
             <a:pPr lvl="4"/>
@@ -2490,7 +2456,6 @@
               <a:rPr lang="zh-CN" altLang="en-US"/>
               <a:t>五级</a:t>
             </a:r>
-            <a:endParaRPr lang="zh-CN" altLang="en-US"/>
           </a:p>
         </p:txBody>
       </p:sp>
@@ -2529,6 +2494,7 @@
           <a:p>
             <a:fld id="{A04AE285-5259-4C70-82F9-ACE2EFB47C04}" type="datetimeFigureOut">
               <a:rPr lang="zh-CN" altLang="en-US" smtClean="0"/>
+              <a:t>2023/6/4</a:t>
             </a:fld>
             <a:endParaRPr lang="zh-CN" altLang="en-US"/>
           </a:p>
@@ -2606,6 +2572,7 @@
           <a:p>
             <a:fld id="{9F2535E0-4137-4C34-BDFF-5CC20F903427}" type="slidenum">
               <a:rPr lang="zh-CN" altLang="en-US" smtClean="0"/>
+              <a:t>‹#›</a:t>
             </a:fld>
             <a:endParaRPr lang="zh-CN" altLang="en-US"/>
           </a:p>
@@ -2946,7 +2913,6 @@
               <a:rPr lang="zh-CN" altLang="en-US" dirty="0"/>
               <a:t>大型平台分析与设计</a:t>
             </a:r>
-            <a:endParaRPr lang="zh-CN" altLang="en-US" dirty="0"/>
           </a:p>
         </p:txBody>
       </p:sp>
@@ -2974,7 +2940,6 @@
               <a:rPr lang="zh-CN" altLang="en-US" dirty="0"/>
               <a:t>系统设计实践</a:t>
             </a:r>
-            <a:endParaRPr lang="zh-CN" altLang="en-US" dirty="0"/>
           </a:p>
         </p:txBody>
       </p:sp>
@@ -3022,7 +2987,6 @@
               <a:rPr lang="zh-CN" altLang="en-US" dirty="0"/>
               <a:t>要求</a:t>
             </a:r>
-            <a:endParaRPr lang="zh-CN" altLang="en-US" dirty="0"/>
           </a:p>
         </p:txBody>
       </p:sp>
@@ -3161,7 +3125,6 @@
               <a:rPr lang="zh-CN" altLang="en-US" sz="1600" dirty="0"/>
               <a:t>个问题），提出优秀改进意见者酌情加分。</a:t>
             </a:r>
-            <a:endParaRPr lang="zh-CN" altLang="en-US" sz="1600" dirty="0"/>
           </a:p>
           <a:p>
             <a:pPr marL="0" indent="0">
@@ -3179,7 +3142,6 @@
               <a:rPr lang="en-US" altLang="zh-CN" sz="1600" dirty="0"/>
               <a:t>15min</a:t>
             </a:r>
-            <a:endParaRPr lang="en-US" altLang="zh-CN" sz="1600" dirty="0"/>
           </a:p>
         </p:txBody>
       </p:sp>
@@ -3206,9 +3168,27 @@
                 <a:tableStyleId>{5C22544A-7EE6-4342-B048-85BDC9FD1C3A}</a:tableStyleId>
               </a:tblPr>
               <a:tblGrid>
-                <a:gridCol w="1737839"/>
-                <a:gridCol w="1079385"/>
-                <a:gridCol w="8012701"/>
+                <a:gridCol w="1737839">
+                  <a:extLst>
+                    <a:ext uri="{9D8B030D-6E8A-4147-A177-3AD203B41FA5}">
+                      <a16:colId xmlns:a16="http://schemas.microsoft.com/office/drawing/2014/main" val="20000"/>
+                    </a:ext>
+                  </a:extLst>
+                </a:gridCol>
+                <a:gridCol w="1079385">
+                  <a:extLst>
+                    <a:ext uri="{9D8B030D-6E8A-4147-A177-3AD203B41FA5}">
+                      <a16:colId xmlns:a16="http://schemas.microsoft.com/office/drawing/2014/main" val="20001"/>
+                    </a:ext>
+                  </a:extLst>
+                </a:gridCol>
+                <a:gridCol w="8012701">
+                  <a:extLst>
+                    <a:ext uri="{9D8B030D-6E8A-4147-A177-3AD203B41FA5}">
+                      <a16:colId xmlns:a16="http://schemas.microsoft.com/office/drawing/2014/main" val="20002"/>
+                    </a:ext>
+                  </a:extLst>
+                </a:gridCol>
               </a:tblGrid>
               <a:tr h="804946">
                 <a:tc>
@@ -3322,6 +3302,11 @@
                   </a:txBody>
                   <a:tcPr marL="62402" marR="62402" marT="0" marB="0" anchor="ctr"/>
                 </a:tc>
+                <a:extLst>
+                  <a:ext uri="{0D108BD9-81ED-4DB2-BD59-A6C34878D82A}">
+                    <a16:rowId xmlns:a16="http://schemas.microsoft.com/office/drawing/2014/main" val="10000"/>
+                  </a:ext>
+                </a:extLst>
               </a:tr>
               <a:tr h="1207419">
                 <a:tc>
@@ -3441,6 +3426,11 @@
                   </a:txBody>
                   <a:tcPr marL="62402" marR="62402" marT="0" marB="0" anchor="ctr"/>
                 </a:tc>
+                <a:extLst>
+                  <a:ext uri="{0D108BD9-81ED-4DB2-BD59-A6C34878D82A}">
+                    <a16:rowId xmlns:a16="http://schemas.microsoft.com/office/drawing/2014/main" val="10001"/>
+                  </a:ext>
+                </a:extLst>
               </a:tr>
             </a:tbl>
           </a:graphicData>
@@ -3490,7 +3480,6 @@
               <a:rPr lang="zh-CN" altLang="en-US" dirty="0"/>
               <a:t>题目一</a:t>
             </a:r>
-            <a:endParaRPr lang="zh-CN" altLang="en-US" dirty="0"/>
           </a:p>
         </p:txBody>
       </p:sp>
@@ -3527,7 +3516,59 @@
             </a:pPr>
             <a:r>
               <a:rPr lang="zh-CN" altLang="en-US" dirty="0"/>
-              <a:t>跨境电商蓬勃发展，不少中小商家逐渐脱离入住大型电商平台的模式，开始构建属于自己的品牌独立站。于是你们发现了商机，决定搭建一套独立站的</a:t>
+              <a:t>跨境电商蓬勃发展，不少中小商家逐渐脱离入住大型电商平台的模式，开始构建属于自己的品牌独立站。于是你们发现了商机，决定搭建</a:t>
+            </a:r>
+            <a:r>
+              <a:rPr lang="zh-CN" altLang="en-US" dirty="0">
+                <a:solidFill>
+                  <a:srgbClr val="FF0000"/>
+                </a:solidFill>
+              </a:rPr>
+              <a:t>一套独立站的</a:t>
+            </a:r>
+            <a:r>
+              <a:rPr lang="en-US" altLang="zh-CN" dirty="0" err="1">
+                <a:solidFill>
+                  <a:srgbClr val="FF0000"/>
+                </a:solidFill>
+              </a:rPr>
+              <a:t>saas</a:t>
+            </a:r>
+            <a:r>
+              <a:rPr lang="zh-CN" altLang="en-US" dirty="0">
+                <a:solidFill>
+                  <a:srgbClr val="FF0000"/>
+                </a:solidFill>
+              </a:rPr>
+              <a:t>服务平台</a:t>
+            </a:r>
+            <a:r>
+              <a:rPr lang="zh-CN" altLang="en-US" dirty="0"/>
+              <a:t>，为</a:t>
+            </a:r>
+            <a:r>
+              <a:rPr lang="zh-CN" altLang="en-US" dirty="0">
+                <a:solidFill>
+                  <a:srgbClr val="FF0000"/>
+                </a:solidFill>
+              </a:rPr>
+              <a:t>国内商家</a:t>
+            </a:r>
+            <a:r>
+              <a:rPr lang="zh-CN" altLang="en-US" dirty="0"/>
+              <a:t>面向</a:t>
+            </a:r>
+            <a:r>
+              <a:rPr lang="zh-CN" altLang="en-US" dirty="0">
+                <a:solidFill>
+                  <a:srgbClr val="FF0000"/>
+                </a:solidFill>
+              </a:rPr>
+              <a:t>美国或东南亚</a:t>
+            </a:r>
+            <a:r>
+              <a:rPr lang="zh-CN" altLang="en-US" dirty="0"/>
+              <a:t>的买家提供独立站的解决方案。即通过你的</a:t>
             </a:r>
             <a:r>
               <a:rPr lang="en-US" altLang="zh-CN" dirty="0" err="1"/>
@@ -3535,15 +3576,19 @@
             </a:r>
             <a:r>
               <a:rPr lang="zh-CN" altLang="en-US" dirty="0"/>
-              <a:t>服务平台，为国内商家面向美国或东南亚的买家提供独立站的解决方案。即通过你的</a:t>
-            </a:r>
-            <a:r>
-              <a:rPr lang="en-US" altLang="zh-CN" dirty="0" err="1"/>
-              <a:t>saas</a:t>
+              <a:t>，商家可</a:t>
+            </a:r>
+            <a:r>
+              <a:rPr lang="zh-CN" altLang="en-US" dirty="0">
+                <a:solidFill>
+                  <a:srgbClr val="FF0000"/>
+                </a:solidFill>
+              </a:rPr>
+              <a:t>快速搭建</a:t>
             </a:r>
             <a:r>
               <a:rPr lang="zh-CN" altLang="en-US" dirty="0"/>
-              <a:t>，商家可快速搭建起属于自己的在线电商平台。</a:t>
+              <a:t>起属于自己的在线电商平台。</a:t>
             </a:r>
             <a:endParaRPr lang="en-US" altLang="zh-CN" dirty="0"/>
           </a:p>
@@ -3561,7 +3606,6 @@
               <a:rPr lang="zh-CN" altLang="en-US" dirty="0"/>
               <a:t>请从技术视角，输出你的解决方案。</a:t>
             </a:r>
-            <a:endParaRPr lang="zh-CN" altLang="en-US" dirty="0"/>
           </a:p>
         </p:txBody>
       </p:sp>
@@ -3609,7 +3653,6 @@
               <a:rPr lang="zh-CN" altLang="en-US" dirty="0"/>
               <a:t>题目二</a:t>
             </a:r>
-            <a:endParaRPr lang="zh-CN" altLang="en-US" dirty="0"/>
           </a:p>
         </p:txBody>
       </p:sp>
@@ -3715,7 +3758,6 @@
               <a:rPr lang="zh-CN" altLang="en-US" dirty="0"/>
               <a:t>服务可用性高，机房着火了也要能尽快恢复服务</a:t>
             </a:r>
-            <a:endParaRPr lang="zh-CN" altLang="en-US" dirty="0"/>
           </a:p>
         </p:txBody>
       </p:sp>
@@ -3763,7 +3805,6 @@
               <a:rPr lang="zh-CN" altLang="en-US" dirty="0"/>
               <a:t>题目三</a:t>
             </a:r>
-            <a:endParaRPr lang="zh-CN" altLang="en-US" dirty="0"/>
           </a:p>
         </p:txBody>
       </p:sp>
@@ -3844,7 +3885,6 @@
               <a:rPr lang="zh-CN" altLang="en-US" dirty="0"/>
               <a:t>题目四</a:t>
             </a:r>
-            <a:endParaRPr lang="zh-CN" altLang="en-US" dirty="0"/>
           </a:p>
         </p:txBody>
       </p:sp>
@@ -3880,7 +3920,6 @@
               <a:rPr lang="zh-CN" altLang="en-US" dirty="0"/>
               <a:t>疫情结束了，你预见到了大家迫不及待出行的心情。于是想快速搭建一个旅游社交平台，在这个平台上，大家可以分享旅游攻略，预定机酒，购买旅行社的套餐等等。你们希望大部分同龄人都能安装上你们的应用。</a:t>
             </a:r>
-            <a:endParaRPr lang="zh-CN" altLang="en-US" dirty="0"/>
           </a:p>
         </p:txBody>
       </p:sp>
@@ -3928,7 +3967,6 @@
               <a:rPr lang="zh-CN" altLang="en-US" dirty="0"/>
               <a:t>题目五</a:t>
             </a:r>
-            <a:endParaRPr lang="zh-CN" altLang="en-US" dirty="0"/>
           </a:p>
         </p:txBody>
       </p:sp>
@@ -3951,7 +3989,6 @@
               <a:rPr lang="zh-CN" altLang="en-US" dirty="0"/>
               <a:t>不限题材，天马行空。寻找现实中真实存在的需求。</a:t>
             </a:r>
-            <a:endParaRPr lang="zh-CN" altLang="en-US" dirty="0"/>
           </a:p>
           <a:p>
             <a:endParaRPr lang="zh-CN" altLang="en-US" dirty="0"/>
@@ -3998,7 +4035,7 @@
 </file>
 
 <file path=ppt/tags/tag1.xml><?xml version="1.0" encoding="utf-8"?>
-<p:tagLst xmlns:p="http://schemas.openxmlformats.org/presentationml/2006/main">
+<p:tagLst xmlns:a="http://schemas.openxmlformats.org/drawingml/2006/main" xmlns:r="http://schemas.openxmlformats.org/officeDocument/2006/relationships" xmlns:p="http://schemas.openxmlformats.org/presentationml/2006/main">
   <p:tag name="KSO_WM_UNIT_TABLE_BEAUTIFY" val="{8b5484d3-fffc-48b9-90b1-1be8e2f44af5}"/>
 </p:tagLst>
 </file>
@@ -4254,6 +4291,8 @@
       </a:bgFillStyleLst>
     </a:fmtScheme>
   </a:themeElements>
+  <a:objectDefaults/>
+  <a:extraClrSchemeLst/>
   <a:extLst>
     <a:ext uri="{05A4C25C-085E-4340-85A3-A5531E510DB2}">
       <thm15:themeFamily xmlns:thm15="http://schemas.microsoft.com/office/thememl/2012/main" name="Office Theme" id="{62F939B6-93AF-4DB8-9C6B-D6C7DFDC589F}" vid="{4A3C46E8-61CC-4603-A589-7422A47A8E4A}"/>
